--- a/Lectures/Lecture 1/Lecture 1.pptx
+++ b/Lectures/Lecture 1/Lecture 1.pptx
@@ -272,7 +272,7 @@
           <a:p>
             <a:fld id="{11C4ABE2-2F1A-4C31-A43A-C3E7CE49CE95}" type="datetimeFigureOut">
               <a:rPr lang="en-US" smtClean="0"/>
-              <a:t>1/9/2020</a:t>
+              <a:t>1/12/2020</a:t>
             </a:fld>
             <a:endParaRPr lang="en-US"/>
           </a:p>
@@ -470,7 +470,7 @@
           <a:p>
             <a:fld id="{11C4ABE2-2F1A-4C31-A43A-C3E7CE49CE95}" type="datetimeFigureOut">
               <a:rPr lang="en-US" smtClean="0"/>
-              <a:t>1/9/2020</a:t>
+              <a:t>1/12/2020</a:t>
             </a:fld>
             <a:endParaRPr lang="en-US"/>
           </a:p>
@@ -678,7 +678,7 @@
           <a:p>
             <a:fld id="{11C4ABE2-2F1A-4C31-A43A-C3E7CE49CE95}" type="datetimeFigureOut">
               <a:rPr lang="en-US" smtClean="0"/>
-              <a:t>1/9/2020</a:t>
+              <a:t>1/12/2020</a:t>
             </a:fld>
             <a:endParaRPr lang="en-US"/>
           </a:p>
@@ -876,7 +876,7 @@
           <a:p>
             <a:fld id="{11C4ABE2-2F1A-4C31-A43A-C3E7CE49CE95}" type="datetimeFigureOut">
               <a:rPr lang="en-US" smtClean="0"/>
-              <a:t>1/9/2020</a:t>
+              <a:t>1/12/2020</a:t>
             </a:fld>
             <a:endParaRPr lang="en-US"/>
           </a:p>
@@ -1151,7 +1151,7 @@
           <a:p>
             <a:fld id="{11C4ABE2-2F1A-4C31-A43A-C3E7CE49CE95}" type="datetimeFigureOut">
               <a:rPr lang="en-US" smtClean="0"/>
-              <a:t>1/9/2020</a:t>
+              <a:t>1/12/2020</a:t>
             </a:fld>
             <a:endParaRPr lang="en-US"/>
           </a:p>
@@ -1416,7 +1416,7 @@
           <a:p>
             <a:fld id="{11C4ABE2-2F1A-4C31-A43A-C3E7CE49CE95}" type="datetimeFigureOut">
               <a:rPr lang="en-US" smtClean="0"/>
-              <a:t>1/9/2020</a:t>
+              <a:t>1/12/2020</a:t>
             </a:fld>
             <a:endParaRPr lang="en-US"/>
           </a:p>
@@ -1828,7 +1828,7 @@
           <a:p>
             <a:fld id="{11C4ABE2-2F1A-4C31-A43A-C3E7CE49CE95}" type="datetimeFigureOut">
               <a:rPr lang="en-US" smtClean="0"/>
-              <a:t>1/9/2020</a:t>
+              <a:t>1/12/2020</a:t>
             </a:fld>
             <a:endParaRPr lang="en-US"/>
           </a:p>
@@ -1969,7 +1969,7 @@
           <a:p>
             <a:fld id="{11C4ABE2-2F1A-4C31-A43A-C3E7CE49CE95}" type="datetimeFigureOut">
               <a:rPr lang="en-US" smtClean="0"/>
-              <a:t>1/9/2020</a:t>
+              <a:t>1/12/2020</a:t>
             </a:fld>
             <a:endParaRPr lang="en-US"/>
           </a:p>
@@ -2082,7 +2082,7 @@
           <a:p>
             <a:fld id="{11C4ABE2-2F1A-4C31-A43A-C3E7CE49CE95}" type="datetimeFigureOut">
               <a:rPr lang="en-US" smtClean="0"/>
-              <a:t>1/9/2020</a:t>
+              <a:t>1/12/2020</a:t>
             </a:fld>
             <a:endParaRPr lang="en-US"/>
           </a:p>
@@ -2393,7 +2393,7 @@
           <a:p>
             <a:fld id="{11C4ABE2-2F1A-4C31-A43A-C3E7CE49CE95}" type="datetimeFigureOut">
               <a:rPr lang="en-US" smtClean="0"/>
-              <a:t>1/9/2020</a:t>
+              <a:t>1/12/2020</a:t>
             </a:fld>
             <a:endParaRPr lang="en-US"/>
           </a:p>
@@ -2681,7 +2681,7 @@
           <a:p>
             <a:fld id="{11C4ABE2-2F1A-4C31-A43A-C3E7CE49CE95}" type="datetimeFigureOut">
               <a:rPr lang="en-US" smtClean="0"/>
-              <a:t>1/9/2020</a:t>
+              <a:t>1/12/2020</a:t>
             </a:fld>
             <a:endParaRPr lang="en-US"/>
           </a:p>
@@ -2922,7 +2922,7 @@
           <a:p>
             <a:fld id="{11C4ABE2-2F1A-4C31-A43A-C3E7CE49CE95}" type="datetimeFigureOut">
               <a:rPr lang="en-US" smtClean="0"/>
-              <a:t>1/9/2020</a:t>
+              <a:t>1/12/2020</a:t>
             </a:fld>
             <a:endParaRPr lang="en-US"/>
           </a:p>
@@ -7084,8 +7084,8 @@
           </a:p>
         </p:txBody>
       </p:sp>
-      <mc:AlternateContent xmlns:mc="http://schemas.openxmlformats.org/markup-compatibility/2006">
-        <mc:Choice xmlns:a14="http://schemas.microsoft.com/office/drawing/2010/main" Requires="a14">
+      <mc:AlternateContent xmlns:mc="http://schemas.openxmlformats.org/markup-compatibility/2006" xmlns:a14="http://schemas.microsoft.com/office/drawing/2010/main">
+        <mc:Choice Requires="a14">
           <p:sp>
             <p:nvSpPr>
               <p:cNvPr id="36" name="TextBox 35">
@@ -7396,7 +7396,7 @@
             </p:txBody>
           </p:sp>
         </mc:Choice>
-        <mc:Fallback>
+        <mc:Fallback xmlns="">
           <p:sp>
             <p:nvSpPr>
               <p:cNvPr id="36" name="TextBox 35">
@@ -7558,8 +7558,8 @@
           </a:prstGeom>
         </p:spPr>
       </p:pic>
-      <mc:AlternateContent xmlns:mc="http://schemas.openxmlformats.org/markup-compatibility/2006">
-        <mc:Choice xmlns:a14="http://schemas.microsoft.com/office/drawing/2010/main" Requires="a14">
+      <mc:AlternateContent xmlns:mc="http://schemas.openxmlformats.org/markup-compatibility/2006" xmlns:a14="http://schemas.microsoft.com/office/drawing/2010/main">
+        <mc:Choice Requires="a14">
           <p:sp>
             <p:nvSpPr>
               <p:cNvPr id="23" name="TextBox 22">
@@ -7746,7 +7746,7 @@
             </p:txBody>
           </p:sp>
         </mc:Choice>
-        <mc:Fallback>
+        <mc:Fallback xmlns="">
           <p:sp>
             <p:nvSpPr>
               <p:cNvPr id="23" name="TextBox 22">
@@ -7791,8 +7791,8 @@
           </p:sp>
         </mc:Fallback>
       </mc:AlternateContent>
-      <mc:AlternateContent xmlns:mc="http://schemas.openxmlformats.org/markup-compatibility/2006">
-        <mc:Choice xmlns:a14="http://schemas.microsoft.com/office/drawing/2010/main" Requires="a14">
+      <mc:AlternateContent xmlns:mc="http://schemas.openxmlformats.org/markup-compatibility/2006" xmlns:a14="http://schemas.microsoft.com/office/drawing/2010/main">
+        <mc:Choice Requires="a14">
           <p:sp>
             <p:nvSpPr>
               <p:cNvPr id="29" name="TextBox 28">
@@ -7979,7 +7979,7 @@
             </p:txBody>
           </p:sp>
         </mc:Choice>
-        <mc:Fallback>
+        <mc:Fallback xmlns="">
           <p:sp>
             <p:nvSpPr>
               <p:cNvPr id="29" name="TextBox 28">
@@ -8024,8 +8024,8 @@
           </p:sp>
         </mc:Fallback>
       </mc:AlternateContent>
-      <mc:AlternateContent xmlns:mc="http://schemas.openxmlformats.org/markup-compatibility/2006">
-        <mc:Choice xmlns:a14="http://schemas.microsoft.com/office/drawing/2010/main" Requires="a14">
+      <mc:AlternateContent xmlns:mc="http://schemas.openxmlformats.org/markup-compatibility/2006" xmlns:a14="http://schemas.microsoft.com/office/drawing/2010/main">
+        <mc:Choice Requires="a14">
           <p:sp>
             <p:nvSpPr>
               <p:cNvPr id="30" name="TextBox 29">
@@ -8212,7 +8212,7 @@
             </p:txBody>
           </p:sp>
         </mc:Choice>
-        <mc:Fallback>
+        <mc:Fallback xmlns="">
           <p:sp>
             <p:nvSpPr>
               <p:cNvPr id="30" name="TextBox 29">
@@ -15581,8 +15581,8 @@
           </a:prstGeom>
         </p:spPr>
       </p:pic>
-      <mc:AlternateContent xmlns:mc="http://schemas.openxmlformats.org/markup-compatibility/2006">
-        <mc:Choice xmlns:a14="http://schemas.microsoft.com/office/drawing/2010/main" Requires="a14">
+      <mc:AlternateContent xmlns:mc="http://schemas.openxmlformats.org/markup-compatibility/2006" xmlns:a14="http://schemas.microsoft.com/office/drawing/2010/main">
+        <mc:Choice Requires="a14">
           <p:sp>
             <p:nvSpPr>
               <p:cNvPr id="3" name="TextBox 2">
@@ -15611,6 +15611,7 @@
               </a:bodyPr>
               <a:lstStyle/>
               <a:p>
+                <a:pPr/>
                 <a14:m>
                   <m:oMathPara xmlns:m="http://schemas.openxmlformats.org/officeDocument/2006/math">
                     <m:oMathParaPr>
@@ -15655,7 +15656,7 @@
             </p:txBody>
           </p:sp>
         </mc:Choice>
-        <mc:Fallback>
+        <mc:Fallback xmlns="">
           <p:sp>
             <p:nvSpPr>
               <p:cNvPr id="3" name="TextBox 2">
@@ -15700,8 +15701,8 @@
           </p:sp>
         </mc:Fallback>
       </mc:AlternateContent>
-      <mc:AlternateContent xmlns:mc="http://schemas.openxmlformats.org/markup-compatibility/2006">
-        <mc:Choice xmlns:a14="http://schemas.microsoft.com/office/drawing/2010/main" Requires="a14">
+      <mc:AlternateContent xmlns:mc="http://schemas.openxmlformats.org/markup-compatibility/2006" xmlns:a14="http://schemas.microsoft.com/office/drawing/2010/main">
+        <mc:Choice Requires="a14">
           <p:sp>
             <p:nvSpPr>
               <p:cNvPr id="23" name="TextBox 22">
@@ -15730,6 +15731,7 @@
               </a:bodyPr>
               <a:lstStyle/>
               <a:p>
+                <a:pPr/>
                 <a14:m>
                   <m:oMathPara xmlns:m="http://schemas.openxmlformats.org/officeDocument/2006/math">
                     <m:oMathParaPr>
@@ -15762,7 +15764,7 @@
             </p:txBody>
           </p:sp>
         </mc:Choice>
-        <mc:Fallback>
+        <mc:Fallback xmlns="">
           <p:sp>
             <p:nvSpPr>
               <p:cNvPr id="23" name="TextBox 22">
@@ -17228,8 +17230,8 @@
           </a:prstGeom>
         </p:spPr>
       </p:pic>
-      <mc:AlternateContent xmlns:mc="http://schemas.openxmlformats.org/markup-compatibility/2006">
-        <mc:Choice xmlns:a14="http://schemas.microsoft.com/office/drawing/2010/main" Requires="a14">
+      <mc:AlternateContent xmlns:mc="http://schemas.openxmlformats.org/markup-compatibility/2006" xmlns:a14="http://schemas.microsoft.com/office/drawing/2010/main">
+        <mc:Choice Requires="a14">
           <p:sp>
             <p:nvSpPr>
               <p:cNvPr id="3" name="TextBox 2">
@@ -17258,6 +17260,7 @@
               </a:bodyPr>
               <a:lstStyle/>
               <a:p>
+                <a:pPr/>
                 <a14:m>
                   <m:oMathPara xmlns:m="http://schemas.openxmlformats.org/officeDocument/2006/math">
                     <m:oMathParaPr>
@@ -17314,7 +17317,7 @@
             </p:txBody>
           </p:sp>
         </mc:Choice>
-        <mc:Fallback>
+        <mc:Fallback xmlns="">
           <p:sp>
             <p:nvSpPr>
               <p:cNvPr id="3" name="TextBox 2">
@@ -17359,8 +17362,8 @@
           </p:sp>
         </mc:Fallback>
       </mc:AlternateContent>
-      <mc:AlternateContent xmlns:mc="http://schemas.openxmlformats.org/markup-compatibility/2006">
-        <mc:Choice xmlns:a14="http://schemas.microsoft.com/office/drawing/2010/main" Requires="a14">
+      <mc:AlternateContent xmlns:mc="http://schemas.openxmlformats.org/markup-compatibility/2006" xmlns:a14="http://schemas.microsoft.com/office/drawing/2010/main">
+        <mc:Choice Requires="a14">
           <p:sp>
             <p:nvSpPr>
               <p:cNvPr id="23" name="TextBox 22">
@@ -17440,7 +17443,7 @@
             </p:txBody>
           </p:sp>
         </mc:Choice>
-        <mc:Fallback>
+        <mc:Fallback xmlns="">
           <p:sp>
             <p:nvSpPr>
               <p:cNvPr id="23" name="TextBox 22">
@@ -17485,8 +17488,8 @@
           </p:sp>
         </mc:Fallback>
       </mc:AlternateContent>
-      <mc:AlternateContent xmlns:mc="http://schemas.openxmlformats.org/markup-compatibility/2006">
-        <mc:Choice xmlns:a14="http://schemas.microsoft.com/office/drawing/2010/main" Requires="a14">
+      <mc:AlternateContent xmlns:mc="http://schemas.openxmlformats.org/markup-compatibility/2006" xmlns:a14="http://schemas.microsoft.com/office/drawing/2010/main">
+        <mc:Choice Requires="a14">
           <p:sp>
             <p:nvSpPr>
               <p:cNvPr id="30" name="TextBox 29">
@@ -17548,7 +17551,7 @@
             </p:txBody>
           </p:sp>
         </mc:Choice>
-        <mc:Fallback>
+        <mc:Fallback xmlns="">
           <p:sp>
             <p:nvSpPr>
               <p:cNvPr id="30" name="TextBox 29">
@@ -17593,8 +17596,8 @@
           </p:sp>
         </mc:Fallback>
       </mc:AlternateContent>
-      <mc:AlternateContent xmlns:mc="http://schemas.openxmlformats.org/markup-compatibility/2006">
-        <mc:Choice xmlns:a14="http://schemas.microsoft.com/office/drawing/2010/main" Requires="a14">
+      <mc:AlternateContent xmlns:mc="http://schemas.openxmlformats.org/markup-compatibility/2006" xmlns:a14="http://schemas.microsoft.com/office/drawing/2010/main">
+        <mc:Choice Requires="a14">
           <p:sp>
             <p:nvSpPr>
               <p:cNvPr id="31" name="TextBox 30">
@@ -17650,7 +17653,7 @@
             </p:txBody>
           </p:sp>
         </mc:Choice>
-        <mc:Fallback>
+        <mc:Fallback xmlns="">
           <p:sp>
             <p:nvSpPr>
               <p:cNvPr id="31" name="TextBox 30">
@@ -17739,8 +17742,8 @@
           </a:fontRef>
         </p:style>
       </p:cxnSp>
-      <mc:AlternateContent xmlns:mc="http://schemas.openxmlformats.org/markup-compatibility/2006">
-        <mc:Choice xmlns:a14="http://schemas.microsoft.com/office/drawing/2010/main" Requires="a14">
+      <mc:AlternateContent xmlns:mc="http://schemas.openxmlformats.org/markup-compatibility/2006" xmlns:a14="http://schemas.microsoft.com/office/drawing/2010/main">
+        <mc:Choice Requires="a14">
           <p:sp>
             <p:nvSpPr>
               <p:cNvPr id="44" name="TextBox 43">
@@ -17796,7 +17799,7 @@
             </p:txBody>
           </p:sp>
         </mc:Choice>
-        <mc:Fallback>
+        <mc:Fallback xmlns="">
           <p:sp>
             <p:nvSpPr>
               <p:cNvPr id="44" name="TextBox 43">
@@ -18777,7 +18780,7 @@
                     </a:solidFill>
                     <a:latin typeface="Corbel" panose="020B0503020204020204" pitchFamily="34" charset="0"/>
                   </a:rPr>
-                  <a:t>) dependent on number of units (</a:t>
+                  <a:t>) independent on number of units (</a:t>
                 </a:r>
                 <a14:m>
                   <m:oMath xmlns:m="http://schemas.openxmlformats.org/officeDocument/2006/math">
@@ -18855,13 +18858,22 @@
                   </m:oMath>
                 </a14:m>
                 <a:r>
+                  <a:rPr lang="en-US" sz="2000">
+                    <a:solidFill>
+                      <a:srgbClr val="404040"/>
+                    </a:solidFill>
+                    <a:latin typeface="Corbel" panose="020B0503020204020204" pitchFamily="34" charset="0"/>
+                  </a:rPr>
+                  <a:t>) dependent </a:t>
+                </a:r>
+                <a:r>
                   <a:rPr lang="en-US" sz="2000" dirty="0">
                     <a:solidFill>
                       <a:srgbClr val="404040"/>
                     </a:solidFill>
                     <a:latin typeface="Corbel" panose="020B0503020204020204" pitchFamily="34" charset="0"/>
                   </a:rPr>
-                  <a:t>) independent of </a:t>
+                  <a:t>of </a:t>
                 </a:r>
                 <a14:m>
                   <m:oMath xmlns:m="http://schemas.openxmlformats.org/officeDocument/2006/math">
@@ -19161,8 +19173,8 @@
           </a:prstGeom>
         </p:spPr>
       </p:pic>
-      <mc:AlternateContent xmlns:mc="http://schemas.openxmlformats.org/markup-compatibility/2006">
-        <mc:Choice xmlns:a14="http://schemas.microsoft.com/office/drawing/2010/main" Requires="a14">
+      <mc:AlternateContent xmlns:mc="http://schemas.openxmlformats.org/markup-compatibility/2006" xmlns:a14="http://schemas.microsoft.com/office/drawing/2010/main">
+        <mc:Choice Requires="a14">
           <p:sp>
             <p:nvSpPr>
               <p:cNvPr id="29" name="TextBox 28">
@@ -19280,7 +19292,7 @@
             </p:txBody>
           </p:sp>
         </mc:Choice>
-        <mc:Fallback>
+        <mc:Fallback xmlns="">
           <p:sp>
             <p:nvSpPr>
               <p:cNvPr id="29" name="TextBox 28">
@@ -19325,8 +19337,8 @@
           </p:sp>
         </mc:Fallback>
       </mc:AlternateContent>
-      <mc:AlternateContent xmlns:mc="http://schemas.openxmlformats.org/markup-compatibility/2006">
-        <mc:Choice xmlns:a14="http://schemas.microsoft.com/office/drawing/2010/main" Requires="a14">
+      <mc:AlternateContent xmlns:mc="http://schemas.openxmlformats.org/markup-compatibility/2006" xmlns:a14="http://schemas.microsoft.com/office/drawing/2010/main">
+        <mc:Choice Requires="a14">
           <p:sp>
             <p:nvSpPr>
               <p:cNvPr id="40" name="TextBox 39">
@@ -19547,7 +19559,7 @@
             </p:txBody>
           </p:sp>
         </mc:Choice>
-        <mc:Fallback>
+        <mc:Fallback xmlns="">
           <p:sp>
             <p:nvSpPr>
               <p:cNvPr id="40" name="TextBox 39">
@@ -20362,8 +20374,8 @@
           </a:p>
         </p:txBody>
       </p:sp>
-      <mc:AlternateContent xmlns:mc="http://schemas.openxmlformats.org/markup-compatibility/2006">
-        <mc:Choice xmlns:a14="http://schemas.microsoft.com/office/drawing/2010/main" Requires="a14">
+      <mc:AlternateContent xmlns:mc="http://schemas.openxmlformats.org/markup-compatibility/2006" xmlns:a14="http://schemas.microsoft.com/office/drawing/2010/main">
+        <mc:Choice Requires="a14">
           <p:sp>
             <p:nvSpPr>
               <p:cNvPr id="36" name="TextBox 35">
@@ -20574,7 +20586,7 @@
             </p:txBody>
           </p:sp>
         </mc:Choice>
-        <mc:Fallback>
+        <mc:Fallback xmlns="">
           <p:sp>
             <p:nvSpPr>
               <p:cNvPr id="36" name="TextBox 35">
@@ -20736,8 +20748,8 @@
           </a:prstGeom>
         </p:spPr>
       </p:pic>
-      <mc:AlternateContent xmlns:mc="http://schemas.openxmlformats.org/markup-compatibility/2006">
-        <mc:Choice xmlns:a14="http://schemas.microsoft.com/office/drawing/2010/main" Requires="a14">
+      <mc:AlternateContent xmlns:mc="http://schemas.openxmlformats.org/markup-compatibility/2006" xmlns:a14="http://schemas.microsoft.com/office/drawing/2010/main">
+        <mc:Choice Requires="a14">
           <p:sp>
             <p:nvSpPr>
               <p:cNvPr id="40" name="TextBox 39">
@@ -20905,7 +20917,7 @@
             </p:txBody>
           </p:sp>
         </mc:Choice>
-        <mc:Fallback>
+        <mc:Fallback xmlns="">
           <p:sp>
             <p:nvSpPr>
               <p:cNvPr id="40" name="TextBox 39">
@@ -20950,8 +20962,8 @@
           </p:sp>
         </mc:Fallback>
       </mc:AlternateContent>
-      <mc:AlternateContent xmlns:mc="http://schemas.openxmlformats.org/markup-compatibility/2006">
-        <mc:Choice xmlns:a14="http://schemas.microsoft.com/office/drawing/2010/main" Requires="a14">
+      <mc:AlternateContent xmlns:mc="http://schemas.openxmlformats.org/markup-compatibility/2006" xmlns:a14="http://schemas.microsoft.com/office/drawing/2010/main">
+        <mc:Choice Requires="a14">
           <p:sp>
             <p:nvSpPr>
               <p:cNvPr id="30" name="TextBox 29">
@@ -21105,7 +21117,7 @@
             </p:txBody>
           </p:sp>
         </mc:Choice>
-        <mc:Fallback>
+        <mc:Fallback xmlns="">
           <p:sp>
             <p:nvSpPr>
               <p:cNvPr id="30" name="TextBox 29">
@@ -21150,8 +21162,8 @@
           </p:sp>
         </mc:Fallback>
       </mc:AlternateContent>
-      <mc:AlternateContent xmlns:mc="http://schemas.openxmlformats.org/markup-compatibility/2006">
-        <mc:Choice xmlns:a14="http://schemas.microsoft.com/office/drawing/2010/main" Requires="a14">
+      <mc:AlternateContent xmlns:mc="http://schemas.openxmlformats.org/markup-compatibility/2006" xmlns:a14="http://schemas.microsoft.com/office/drawing/2010/main">
+        <mc:Choice Requires="a14">
           <p:sp>
             <p:nvSpPr>
               <p:cNvPr id="31" name="TextBox 30">
@@ -21299,7 +21311,7 @@
             </p:txBody>
           </p:sp>
         </mc:Choice>
-        <mc:Fallback>
+        <mc:Fallback xmlns="">
           <p:sp>
             <p:nvSpPr>
               <p:cNvPr id="31" name="TextBox 30">
@@ -21388,8 +21400,8 @@
           </a:fontRef>
         </p:style>
       </p:cxnSp>
-      <mc:AlternateContent xmlns:mc="http://schemas.openxmlformats.org/markup-compatibility/2006">
-        <mc:Choice xmlns:a14="http://schemas.microsoft.com/office/drawing/2010/main" Requires="a14">
+      <mc:AlternateContent xmlns:mc="http://schemas.openxmlformats.org/markup-compatibility/2006" xmlns:a14="http://schemas.microsoft.com/office/drawing/2010/main">
+        <mc:Choice Requires="a14">
           <p:sp>
             <p:nvSpPr>
               <p:cNvPr id="42" name="TextBox 41">
@@ -21539,7 +21551,7 @@
             </p:txBody>
           </p:sp>
         </mc:Choice>
-        <mc:Fallback>
+        <mc:Fallback xmlns="">
           <p:sp>
             <p:nvSpPr>
               <p:cNvPr id="42" name="TextBox 41">
@@ -22679,8 +22691,8 @@
           </a:prstGeom>
         </p:spPr>
       </p:pic>
-      <mc:AlternateContent xmlns:mc="http://schemas.openxmlformats.org/markup-compatibility/2006">
-        <mc:Choice xmlns:a14="http://schemas.microsoft.com/office/drawing/2010/main" Requires="a14">
+      <mc:AlternateContent xmlns:mc="http://schemas.openxmlformats.org/markup-compatibility/2006" xmlns:a14="http://schemas.microsoft.com/office/drawing/2010/main">
+        <mc:Choice Requires="a14">
           <p:sp>
             <p:nvSpPr>
               <p:cNvPr id="29" name="TextBox 28">
@@ -22778,7 +22790,7 @@
             </p:txBody>
           </p:sp>
         </mc:Choice>
-        <mc:Fallback>
+        <mc:Fallback xmlns="">
           <p:sp>
             <p:nvSpPr>
               <p:cNvPr id="29" name="TextBox 28">
@@ -22823,8 +22835,8 @@
           </p:sp>
         </mc:Fallback>
       </mc:AlternateContent>
-      <mc:AlternateContent xmlns:mc="http://schemas.openxmlformats.org/markup-compatibility/2006">
-        <mc:Choice xmlns:a14="http://schemas.microsoft.com/office/drawing/2010/main" Requires="a14">
+      <mc:AlternateContent xmlns:mc="http://schemas.openxmlformats.org/markup-compatibility/2006" xmlns:a14="http://schemas.microsoft.com/office/drawing/2010/main">
+        <mc:Choice Requires="a14">
           <p:sp>
             <p:nvSpPr>
               <p:cNvPr id="43" name="TextBox 42">
@@ -22899,7 +22911,7 @@
             </p:txBody>
           </p:sp>
         </mc:Choice>
-        <mc:Fallback>
+        <mc:Fallback xmlns="">
           <p:sp>
             <p:nvSpPr>
               <p:cNvPr id="43" name="TextBox 42">
@@ -22944,8 +22956,8 @@
           </p:sp>
         </mc:Fallback>
       </mc:AlternateContent>
-      <mc:AlternateContent xmlns:mc="http://schemas.openxmlformats.org/markup-compatibility/2006">
-        <mc:Choice xmlns:a14="http://schemas.microsoft.com/office/drawing/2010/main" Requires="a14">
+      <mc:AlternateContent xmlns:mc="http://schemas.openxmlformats.org/markup-compatibility/2006" xmlns:a14="http://schemas.microsoft.com/office/drawing/2010/main">
+        <mc:Choice Requires="a14">
           <p:sp>
             <p:nvSpPr>
               <p:cNvPr id="44" name="TextBox 43">
@@ -23020,7 +23032,7 @@
             </p:txBody>
           </p:sp>
         </mc:Choice>
-        <mc:Fallback>
+        <mc:Fallback xmlns="">
           <p:sp>
             <p:nvSpPr>
               <p:cNvPr id="44" name="TextBox 43">
@@ -23065,8 +23077,8 @@
           </p:sp>
         </mc:Fallback>
       </mc:AlternateContent>
-      <mc:AlternateContent xmlns:mc="http://schemas.openxmlformats.org/markup-compatibility/2006">
-        <mc:Choice xmlns:a14="http://schemas.microsoft.com/office/drawing/2010/main" Requires="a14">
+      <mc:AlternateContent xmlns:mc="http://schemas.openxmlformats.org/markup-compatibility/2006" xmlns:a14="http://schemas.microsoft.com/office/drawing/2010/main">
+        <mc:Choice Requires="a14">
           <p:sp>
             <p:nvSpPr>
               <p:cNvPr id="45" name="TextBox 44">
@@ -23122,7 +23134,7 @@
             </p:txBody>
           </p:sp>
         </mc:Choice>
-        <mc:Fallback>
+        <mc:Fallback xmlns="">
           <p:sp>
             <p:nvSpPr>
               <p:cNvPr id="45" name="TextBox 44">
@@ -23167,8 +23179,8 @@
           </p:sp>
         </mc:Fallback>
       </mc:AlternateContent>
-      <mc:AlternateContent xmlns:mc="http://schemas.openxmlformats.org/markup-compatibility/2006">
-        <mc:Choice xmlns:a14="http://schemas.microsoft.com/office/drawing/2010/main" Requires="a14">
+      <mc:AlternateContent xmlns:mc="http://schemas.openxmlformats.org/markup-compatibility/2006" xmlns:a14="http://schemas.microsoft.com/office/drawing/2010/main">
+        <mc:Choice Requires="a14">
           <p:sp>
             <p:nvSpPr>
               <p:cNvPr id="46" name="TextBox 45">
@@ -23355,7 +23367,7 @@
             </p:txBody>
           </p:sp>
         </mc:Choice>
-        <mc:Fallback>
+        <mc:Fallback xmlns="">
           <p:sp>
             <p:nvSpPr>
               <p:cNvPr id="46" name="TextBox 45">

--- a/Lectures/Lecture 1/Lecture 1.pptx
+++ b/Lectures/Lecture 1/Lecture 1.pptx
@@ -272,7 +272,7 @@
           <a:p>
             <a:fld id="{11C4ABE2-2F1A-4C31-A43A-C3E7CE49CE95}" type="datetimeFigureOut">
               <a:rPr lang="en-US" smtClean="0"/>
-              <a:t>1/12/2020</a:t>
+              <a:t>1/21/2021</a:t>
             </a:fld>
             <a:endParaRPr lang="en-US"/>
           </a:p>
@@ -470,7 +470,7 @@
           <a:p>
             <a:fld id="{11C4ABE2-2F1A-4C31-A43A-C3E7CE49CE95}" type="datetimeFigureOut">
               <a:rPr lang="en-US" smtClean="0"/>
-              <a:t>1/12/2020</a:t>
+              <a:t>1/21/2021</a:t>
             </a:fld>
             <a:endParaRPr lang="en-US"/>
           </a:p>
@@ -678,7 +678,7 @@
           <a:p>
             <a:fld id="{11C4ABE2-2F1A-4C31-A43A-C3E7CE49CE95}" type="datetimeFigureOut">
               <a:rPr lang="en-US" smtClean="0"/>
-              <a:t>1/12/2020</a:t>
+              <a:t>1/21/2021</a:t>
             </a:fld>
             <a:endParaRPr lang="en-US"/>
           </a:p>
@@ -876,7 +876,7 @@
           <a:p>
             <a:fld id="{11C4ABE2-2F1A-4C31-A43A-C3E7CE49CE95}" type="datetimeFigureOut">
               <a:rPr lang="en-US" smtClean="0"/>
-              <a:t>1/12/2020</a:t>
+              <a:t>1/21/2021</a:t>
             </a:fld>
             <a:endParaRPr lang="en-US"/>
           </a:p>
@@ -1151,7 +1151,7 @@
           <a:p>
             <a:fld id="{11C4ABE2-2F1A-4C31-A43A-C3E7CE49CE95}" type="datetimeFigureOut">
               <a:rPr lang="en-US" smtClean="0"/>
-              <a:t>1/12/2020</a:t>
+              <a:t>1/21/2021</a:t>
             </a:fld>
             <a:endParaRPr lang="en-US"/>
           </a:p>
@@ -1416,7 +1416,7 @@
           <a:p>
             <a:fld id="{11C4ABE2-2F1A-4C31-A43A-C3E7CE49CE95}" type="datetimeFigureOut">
               <a:rPr lang="en-US" smtClean="0"/>
-              <a:t>1/12/2020</a:t>
+              <a:t>1/21/2021</a:t>
             </a:fld>
             <a:endParaRPr lang="en-US"/>
           </a:p>
@@ -1828,7 +1828,7 @@
           <a:p>
             <a:fld id="{11C4ABE2-2F1A-4C31-A43A-C3E7CE49CE95}" type="datetimeFigureOut">
               <a:rPr lang="en-US" smtClean="0"/>
-              <a:t>1/12/2020</a:t>
+              <a:t>1/21/2021</a:t>
             </a:fld>
             <a:endParaRPr lang="en-US"/>
           </a:p>
@@ -1969,7 +1969,7 @@
           <a:p>
             <a:fld id="{11C4ABE2-2F1A-4C31-A43A-C3E7CE49CE95}" type="datetimeFigureOut">
               <a:rPr lang="en-US" smtClean="0"/>
-              <a:t>1/12/2020</a:t>
+              <a:t>1/21/2021</a:t>
             </a:fld>
             <a:endParaRPr lang="en-US"/>
           </a:p>
@@ -2082,7 +2082,7 @@
           <a:p>
             <a:fld id="{11C4ABE2-2F1A-4C31-A43A-C3E7CE49CE95}" type="datetimeFigureOut">
               <a:rPr lang="en-US" smtClean="0"/>
-              <a:t>1/12/2020</a:t>
+              <a:t>1/21/2021</a:t>
             </a:fld>
             <a:endParaRPr lang="en-US"/>
           </a:p>
@@ -2393,7 +2393,7 @@
           <a:p>
             <a:fld id="{11C4ABE2-2F1A-4C31-A43A-C3E7CE49CE95}" type="datetimeFigureOut">
               <a:rPr lang="en-US" smtClean="0"/>
-              <a:t>1/12/2020</a:t>
+              <a:t>1/21/2021</a:t>
             </a:fld>
             <a:endParaRPr lang="en-US"/>
           </a:p>
@@ -2681,7 +2681,7 @@
           <a:p>
             <a:fld id="{11C4ABE2-2F1A-4C31-A43A-C3E7CE49CE95}" type="datetimeFigureOut">
               <a:rPr lang="en-US" smtClean="0"/>
-              <a:t>1/12/2020</a:t>
+              <a:t>1/21/2021</a:t>
             </a:fld>
             <a:endParaRPr lang="en-US"/>
           </a:p>
@@ -2922,7 +2922,7 @@
           <a:p>
             <a:fld id="{11C4ABE2-2F1A-4C31-A43A-C3E7CE49CE95}" type="datetimeFigureOut">
               <a:rPr lang="en-US" smtClean="0"/>
-              <a:t>1/12/2020</a:t>
+              <a:t>1/21/2021</a:t>
             </a:fld>
             <a:endParaRPr lang="en-US"/>
           </a:p>
@@ -14105,7 +14105,7 @@
                 </a:solidFill>
                 <a:latin typeface="Corbel" panose="020B0503020204020204" pitchFamily="34" charset="0"/>
               </a:rPr>
-              <a:t>Each unit requires 4lbs. of steel and the </a:t>
+              <a:t>Each unit requires 4lbs. of steel and </a:t>
             </a:r>
             <a:r>
               <a:rPr lang="en-US" sz="2000" dirty="0" err="1">
@@ -18614,8 +18614,8 @@
           </a:p>
         </p:txBody>
       </p:sp>
-      <mc:AlternateContent xmlns:mc="http://schemas.openxmlformats.org/markup-compatibility/2006">
-        <mc:Choice xmlns:a14="http://schemas.microsoft.com/office/drawing/2010/main" Requires="a14">
+      <mc:AlternateContent xmlns:mc="http://schemas.openxmlformats.org/markup-compatibility/2006" xmlns:a14="http://schemas.microsoft.com/office/drawing/2010/main">
+        <mc:Choice Requires="a14">
           <p:sp>
             <p:nvSpPr>
               <p:cNvPr id="36" name="TextBox 35">
@@ -19011,7 +19011,7 @@
             </p:txBody>
           </p:sp>
         </mc:Choice>
-        <mc:Fallback>
+        <mc:Fallback xmlns="">
           <p:sp>
             <p:nvSpPr>
               <p:cNvPr id="36" name="TextBox 35">
